--- a/docs/Steps.pptx
+++ b/docs/Steps.pptx
@@ -274,7 +274,7 @@
           <a:p>
             <a:fld id="{2110C983-E3B3-4296-B387-B62D0F3BB52C}" type="datetimeFigureOut">
               <a:rPr lang="zh-CN" altLang="en-US" smtClean="0"/>
-              <a:t>2022/3/9</a:t>
+              <a:t>2022/3/27</a:t>
             </a:fld>
             <a:endParaRPr lang="zh-CN" altLang="en-US"/>
           </a:p>
@@ -474,7 +474,7 @@
           <a:p>
             <a:fld id="{2110C983-E3B3-4296-B387-B62D0F3BB52C}" type="datetimeFigureOut">
               <a:rPr lang="zh-CN" altLang="en-US" smtClean="0"/>
-              <a:t>2022/3/9</a:t>
+              <a:t>2022/3/27</a:t>
             </a:fld>
             <a:endParaRPr lang="zh-CN" altLang="en-US"/>
           </a:p>
@@ -684,7 +684,7 @@
           <a:p>
             <a:fld id="{2110C983-E3B3-4296-B387-B62D0F3BB52C}" type="datetimeFigureOut">
               <a:rPr lang="zh-CN" altLang="en-US" smtClean="0"/>
-              <a:t>2022/3/9</a:t>
+              <a:t>2022/3/27</a:t>
             </a:fld>
             <a:endParaRPr lang="zh-CN" altLang="en-US"/>
           </a:p>
@@ -884,7 +884,7 @@
           <a:p>
             <a:fld id="{2110C983-E3B3-4296-B387-B62D0F3BB52C}" type="datetimeFigureOut">
               <a:rPr lang="zh-CN" altLang="en-US" smtClean="0"/>
-              <a:t>2022/3/9</a:t>
+              <a:t>2022/3/27</a:t>
             </a:fld>
             <a:endParaRPr lang="zh-CN" altLang="en-US"/>
           </a:p>
@@ -1160,7 +1160,7 @@
           <a:p>
             <a:fld id="{2110C983-E3B3-4296-B387-B62D0F3BB52C}" type="datetimeFigureOut">
               <a:rPr lang="zh-CN" altLang="en-US" smtClean="0"/>
-              <a:t>2022/3/9</a:t>
+              <a:t>2022/3/27</a:t>
             </a:fld>
             <a:endParaRPr lang="zh-CN" altLang="en-US"/>
           </a:p>
@@ -1428,7 +1428,7 @@
           <a:p>
             <a:fld id="{2110C983-E3B3-4296-B387-B62D0F3BB52C}" type="datetimeFigureOut">
               <a:rPr lang="zh-CN" altLang="en-US" smtClean="0"/>
-              <a:t>2022/3/9</a:t>
+              <a:t>2022/3/27</a:t>
             </a:fld>
             <a:endParaRPr lang="zh-CN" altLang="en-US"/>
           </a:p>
@@ -1843,7 +1843,7 @@
           <a:p>
             <a:fld id="{2110C983-E3B3-4296-B387-B62D0F3BB52C}" type="datetimeFigureOut">
               <a:rPr lang="zh-CN" altLang="en-US" smtClean="0"/>
-              <a:t>2022/3/9</a:t>
+              <a:t>2022/3/27</a:t>
             </a:fld>
             <a:endParaRPr lang="zh-CN" altLang="en-US"/>
           </a:p>
@@ -1985,7 +1985,7 @@
           <a:p>
             <a:fld id="{2110C983-E3B3-4296-B387-B62D0F3BB52C}" type="datetimeFigureOut">
               <a:rPr lang="zh-CN" altLang="en-US" smtClean="0"/>
-              <a:t>2022/3/9</a:t>
+              <a:t>2022/3/27</a:t>
             </a:fld>
             <a:endParaRPr lang="zh-CN" altLang="en-US"/>
           </a:p>
@@ -2098,7 +2098,7 @@
           <a:p>
             <a:fld id="{2110C983-E3B3-4296-B387-B62D0F3BB52C}" type="datetimeFigureOut">
               <a:rPr lang="zh-CN" altLang="en-US" smtClean="0"/>
-              <a:t>2022/3/9</a:t>
+              <a:t>2022/3/27</a:t>
             </a:fld>
             <a:endParaRPr lang="zh-CN" altLang="en-US"/>
           </a:p>
@@ -2411,7 +2411,7 @@
           <a:p>
             <a:fld id="{2110C983-E3B3-4296-B387-B62D0F3BB52C}" type="datetimeFigureOut">
               <a:rPr lang="zh-CN" altLang="en-US" smtClean="0"/>
-              <a:t>2022/3/9</a:t>
+              <a:t>2022/3/27</a:t>
             </a:fld>
             <a:endParaRPr lang="zh-CN" altLang="en-US"/>
           </a:p>
@@ -2700,7 +2700,7 @@
           <a:p>
             <a:fld id="{2110C983-E3B3-4296-B387-B62D0F3BB52C}" type="datetimeFigureOut">
               <a:rPr lang="zh-CN" altLang="en-US" smtClean="0"/>
-              <a:t>2022/3/9</a:t>
+              <a:t>2022/3/27</a:t>
             </a:fld>
             <a:endParaRPr lang="zh-CN" altLang="en-US"/>
           </a:p>
@@ -2943,7 +2943,7 @@
           <a:p>
             <a:fld id="{2110C983-E3B3-4296-B387-B62D0F3BB52C}" type="datetimeFigureOut">
               <a:rPr lang="zh-CN" altLang="en-US" smtClean="0"/>
-              <a:t>2022/3/9</a:t>
+              <a:t>2022/3/27</a:t>
             </a:fld>
             <a:endParaRPr lang="zh-CN" altLang="en-US"/>
           </a:p>
@@ -4707,7 +4707,7 @@
         <p:spPr>
           <a:xfrm>
             <a:off x="5287618" y="2488756"/>
-            <a:ext cx="2194560" cy="369332"/>
+            <a:ext cx="1693628" cy="369332"/>
           </a:xfrm>
           <a:prstGeom prst="rect">
             <a:avLst/>
@@ -4726,7 +4726,7 @@
             </a:r>
             <a:r>
               <a:rPr lang="en-US" altLang="zh-CN" dirty="0" err="1"/>
-              <a:t>combineJobArray</a:t>
+              <a:t>combineJob</a:t>
             </a:r>
             <a:endParaRPr lang="zh-CN" altLang="en-US" dirty="0"/>
           </a:p>
@@ -4750,8 +4750,8 @@
         </p:nvCxnSpPr>
         <p:spPr>
           <a:xfrm>
-            <a:off x="4723241" y="1644826"/>
-            <a:ext cx="564377" cy="1028596"/>
+            <a:off x="4372474" y="1644826"/>
+            <a:ext cx="915144" cy="1028596"/>
           </a:xfrm>
           <a:prstGeom prst="straightConnector1">
             <a:avLst/>
@@ -4793,8 +4793,8 @@
         </p:nvCxnSpPr>
         <p:spPr>
           <a:xfrm flipV="1">
-            <a:off x="4985468" y="2673422"/>
-            <a:ext cx="302150" cy="6449"/>
+            <a:off x="4346962" y="2673422"/>
+            <a:ext cx="940656" cy="6449"/>
           </a:xfrm>
           <a:prstGeom prst="straightConnector1">
             <a:avLst/>
@@ -4852,7 +4852,7 @@
             </a:r>
             <a:r>
               <a:rPr lang="en-US" altLang="zh-CN" dirty="0" err="1"/>
-              <a:t>parseJobArray</a:t>
+              <a:t>parseJob</a:t>
             </a:r>
             <a:endParaRPr lang="zh-CN" altLang="en-US" dirty="0"/>
           </a:p>
@@ -4876,8 +4876,8 @@
         </p:nvCxnSpPr>
         <p:spPr>
           <a:xfrm>
-            <a:off x="7482178" y="2673422"/>
-            <a:ext cx="604299" cy="402434"/>
+            <a:off x="6981246" y="2673422"/>
+            <a:ext cx="1105231" cy="402434"/>
           </a:xfrm>
           <a:prstGeom prst="straightConnector1">
             <a:avLst/>
@@ -4919,8 +4919,8 @@
         </p:nvCxnSpPr>
         <p:spPr>
           <a:xfrm flipV="1">
-            <a:off x="7629606" y="3075856"/>
-            <a:ext cx="456871" cy="607066"/>
+            <a:off x="7076912" y="3075856"/>
+            <a:ext cx="1009565" cy="607066"/>
           </a:xfrm>
           <a:prstGeom prst="straightConnector1">
             <a:avLst/>
@@ -4974,7 +4974,7 @@
           <a:p>
             <a:r>
               <a:rPr lang="en-US" altLang="zh-CN" dirty="0"/>
-              <a:t>4.sumJobArray</a:t>
+              <a:t>4.sumJob</a:t>
             </a:r>
             <a:endParaRPr lang="zh-CN" altLang="en-US" dirty="0"/>
           </a:p>
@@ -4998,8 +4998,8 @@
         </p:nvCxnSpPr>
         <p:spPr>
           <a:xfrm flipV="1">
-            <a:off x="7482178" y="2418980"/>
-            <a:ext cx="691763" cy="254442"/>
+            <a:off x="6981246" y="2418980"/>
+            <a:ext cx="1192695" cy="254442"/>
           </a:xfrm>
           <a:prstGeom prst="straightConnector1">
             <a:avLst/>
@@ -5100,7 +5100,7 @@
             </a:r>
             <a:r>
               <a:rPr lang="en-US" altLang="zh-CN" dirty="0" err="1"/>
-              <a:t>combineSumJobArray</a:t>
+              <a:t>combineSumJob</a:t>
             </a:r>
             <a:endParaRPr lang="zh-CN" altLang="en-US" dirty="0"/>
           </a:p>
@@ -5124,8 +5124,8 @@
         </p:nvCxnSpPr>
         <p:spPr>
           <a:xfrm flipV="1">
-            <a:off x="4723241" y="1640858"/>
-            <a:ext cx="4732849" cy="3968"/>
+            <a:off x="4372474" y="1640858"/>
+            <a:ext cx="5083616" cy="3968"/>
           </a:xfrm>
           <a:prstGeom prst="straightConnector1">
             <a:avLst/>
@@ -5164,7 +5164,7 @@
         <p:spPr>
           <a:xfrm>
             <a:off x="9797996" y="4004595"/>
-            <a:ext cx="2144864" cy="369332"/>
+            <a:ext cx="1641239" cy="369332"/>
           </a:xfrm>
           <a:prstGeom prst="rect">
             <a:avLst/>
@@ -5183,7 +5183,7 @@
             </a:r>
             <a:r>
               <a:rPr lang="en-US" altLang="zh-CN" dirty="0" err="1"/>
-              <a:t>numbersJobArray</a:t>
+              <a:t>numbersJob</a:t>
             </a:r>
             <a:endParaRPr lang="zh-CN" altLang="en-US" dirty="0"/>
           </a:p>
@@ -5208,7 +5208,7 @@
         <p:spPr>
           <a:xfrm>
             <a:off x="9096293" y="3260522"/>
-            <a:ext cx="1774135" cy="744073"/>
+            <a:ext cx="1522323" cy="744073"/>
           </a:xfrm>
           <a:prstGeom prst="straightConnector1">
             <a:avLst/>
@@ -5247,7 +5247,7 @@
         <p:spPr>
           <a:xfrm>
             <a:off x="7335080" y="4016260"/>
-            <a:ext cx="2462916" cy="369332"/>
+            <a:ext cx="1761213" cy="369332"/>
           </a:xfrm>
           <a:prstGeom prst="rect">
             <a:avLst/>
@@ -5266,7 +5266,7 @@
             </a:r>
             <a:r>
               <a:rPr lang="en-US" altLang="zh-CN" dirty="0" err="1"/>
-              <a:t>metadataJobArray</a:t>
+              <a:t>metadataJob</a:t>
             </a:r>
             <a:endParaRPr lang="zh-CN" altLang="en-US" dirty="0"/>
           </a:p>
@@ -5290,8 +5290,8 @@
         </p:nvCxnSpPr>
         <p:spPr>
           <a:xfrm flipH="1">
-            <a:off x="8566538" y="3260522"/>
-            <a:ext cx="529755" cy="755738"/>
+            <a:off x="8215687" y="3260522"/>
+            <a:ext cx="880606" cy="755738"/>
           </a:xfrm>
           <a:prstGeom prst="straightConnector1">
             <a:avLst/>
@@ -5329,8 +5329,8 @@
         </p:nvSpPr>
         <p:spPr>
           <a:xfrm>
-            <a:off x="7247615" y="4833512"/>
-            <a:ext cx="2637845" cy="369332"/>
+            <a:off x="7164126" y="4847810"/>
+            <a:ext cx="2103119" cy="369332"/>
           </a:xfrm>
           <a:prstGeom prst="rect">
             <a:avLst/>
@@ -5349,7 +5349,7 @@
             </a:r>
             <a:r>
               <a:rPr lang="en-US" altLang="zh-CN" dirty="0" err="1"/>
-              <a:t>doubletScoreJobArray</a:t>
+              <a:t>doubletScoreJob</a:t>
             </a:r>
             <a:endParaRPr lang="zh-CN" altLang="en-US" dirty="0"/>
           </a:p>
@@ -5365,15 +5365,16 @@
             </a:extLst>
           </p:cNvPr>
           <p:cNvCxnSpPr>
+            <a:cxnSpLocks/>
             <a:stCxn id="39" idx="2"/>
             <a:endCxn id="45" idx="0"/>
           </p:cNvCxnSpPr>
           <p:nvPr/>
         </p:nvCxnSpPr>
         <p:spPr>
-          <a:xfrm>
-            <a:off x="8566538" y="4385592"/>
-            <a:ext cx="0" cy="447920"/>
+          <a:xfrm flipH="1">
+            <a:off x="8215686" y="4385592"/>
+            <a:ext cx="1" cy="462218"/>
           </a:xfrm>
           <a:prstGeom prst="straightConnector1">
             <a:avLst/>
@@ -5431,7 +5432,7 @@
             </a:r>
             <a:r>
               <a:rPr lang="en-US" altLang="zh-CN" dirty="0" err="1"/>
-              <a:t>performanceJobArray</a:t>
+              <a:t>performanceJob</a:t>
             </a:r>
             <a:endParaRPr lang="zh-CN" altLang="en-US" dirty="0"/>
           </a:p>
@@ -5456,7 +5457,7 @@
         <p:spPr>
           <a:xfrm flipH="1">
             <a:off x="5724693" y="3915742"/>
-            <a:ext cx="775250" cy="912449"/>
+            <a:ext cx="498903" cy="912449"/>
           </a:xfrm>
           <a:prstGeom prst="straightConnector1">
             <a:avLst/>
@@ -5494,8 +5495,8 @@
         </p:nvSpPr>
         <p:spPr>
           <a:xfrm>
-            <a:off x="5370279" y="3450102"/>
-            <a:ext cx="2259327" cy="465640"/>
+            <a:off x="5370280" y="3450102"/>
+            <a:ext cx="1706632" cy="465640"/>
           </a:xfrm>
           <a:prstGeom prst="rect">
             <a:avLst/>
@@ -5523,7 +5524,7 @@
               <a:rPr lang="en-US" altLang="zh-CN" dirty="0" err="1">
                 <a:sym typeface="Wingdings" panose="05000000000000000000" pitchFamily="2" charset="2"/>
               </a:rPr>
-              <a:t>decodingJobArray</a:t>
+              <a:t>decodingJob</a:t>
             </a:r>
             <a:endParaRPr lang="en-US" altLang="zh-CN" dirty="0">
               <a:sym typeface="Wingdings" panose="05000000000000000000" pitchFamily="2" charset="2"/>
@@ -5545,8 +5546,8 @@
         </p:nvSpPr>
         <p:spPr>
           <a:xfrm>
-            <a:off x="2739643" y="3498256"/>
-            <a:ext cx="2173765" cy="369332"/>
+            <a:off x="2739644" y="3498256"/>
+            <a:ext cx="1620820" cy="369332"/>
           </a:xfrm>
           <a:prstGeom prst="rect">
             <a:avLst/>
@@ -5569,7 +5570,7 @@
               <a:rPr lang="en-US" altLang="zh-CN" dirty="0" err="1">
                 <a:sym typeface="Wingdings" panose="05000000000000000000" pitchFamily="2" charset="2"/>
               </a:rPr>
-              <a:t>optimizeJobArray</a:t>
+              <a:t>optimizeJob</a:t>
             </a:r>
             <a:r>
               <a:rPr lang="en-US" altLang="zh-CN" dirty="0">
@@ -5595,8 +5596,8 @@
         </p:nvSpPr>
         <p:spPr>
           <a:xfrm>
-            <a:off x="2726141" y="2495205"/>
-            <a:ext cx="2259327" cy="369332"/>
+            <a:off x="2726142" y="2495205"/>
+            <a:ext cx="1620820" cy="369332"/>
           </a:xfrm>
           <a:prstGeom prst="rect">
             <a:avLst/>
@@ -5619,7 +5620,7 @@
               <a:rPr lang="en-US" altLang="zh-CN" dirty="0" err="1">
                 <a:sym typeface="Wingdings" panose="05000000000000000000" pitchFamily="2" charset="2"/>
               </a:rPr>
-              <a:t>segmentJobArray</a:t>
+              <a:t>segmentJob</a:t>
             </a:r>
             <a:r>
               <a:rPr lang="en-US" altLang="zh-CN" dirty="0">
@@ -5646,7 +5647,7 @@
         <p:spPr>
           <a:xfrm>
             <a:off x="2724481" y="1460160"/>
-            <a:ext cx="1998760" cy="369332"/>
+            <a:ext cx="1647993" cy="369332"/>
           </a:xfrm>
           <a:prstGeom prst="rect">
             <a:avLst/>
@@ -5669,7 +5670,7 @@
               <a:rPr lang="en-US" altLang="zh-CN" dirty="0" err="1">
                 <a:sym typeface="Wingdings" panose="05000000000000000000" pitchFamily="2" charset="2"/>
               </a:rPr>
-              <a:t>mosaicJobArray</a:t>
+              <a:t>mosaicJob</a:t>
             </a:r>
             <a:endParaRPr lang="zh-CN" altLang="en-US" dirty="0"/>
           </a:p>
@@ -5690,7 +5691,7 @@
         <p:spPr>
           <a:xfrm>
             <a:off x="48293" y="2493907"/>
-            <a:ext cx="2421667" cy="369332"/>
+            <a:ext cx="1986085" cy="369332"/>
           </a:xfrm>
           <a:prstGeom prst="rect">
             <a:avLst/>
@@ -5709,7 +5710,7 @@
             </a:r>
             <a:r>
               <a:rPr lang="en-US" altLang="zh-CN" dirty="0" err="1"/>
-              <a:t>preprocessJobArray</a:t>
+              <a:t>preprocessJob</a:t>
             </a:r>
             <a:endParaRPr lang="zh-CN" altLang="en-US" dirty="0"/>
           </a:p>
@@ -5725,6 +5726,7 @@
             </a:extLst>
           </p:cNvPr>
           <p:cNvCxnSpPr>
+            <a:cxnSpLocks/>
             <a:stCxn id="65" idx="3"/>
             <a:endCxn id="63" idx="1"/>
           </p:cNvCxnSpPr>
@@ -5732,8 +5734,8 @@
         </p:nvCxnSpPr>
         <p:spPr>
           <a:xfrm flipV="1">
-            <a:off x="2469960" y="1644826"/>
-            <a:ext cx="254521" cy="1033747"/>
+            <a:off x="2034378" y="1644826"/>
+            <a:ext cx="690103" cy="1033747"/>
           </a:xfrm>
           <a:prstGeom prst="straightConnector1">
             <a:avLst/>
@@ -5775,8 +5777,8 @@
         </p:nvCxnSpPr>
         <p:spPr>
           <a:xfrm>
-            <a:off x="2469960" y="2678573"/>
-            <a:ext cx="256181" cy="1298"/>
+            <a:off x="2034378" y="2678573"/>
+            <a:ext cx="691764" cy="1298"/>
           </a:xfrm>
           <a:prstGeom prst="straightConnector1">
             <a:avLst/>
@@ -5818,8 +5820,8 @@
         </p:nvCxnSpPr>
         <p:spPr>
           <a:xfrm>
-            <a:off x="2469960" y="2678573"/>
-            <a:ext cx="269683" cy="1004349"/>
+            <a:off x="2034378" y="2678573"/>
+            <a:ext cx="705266" cy="1004349"/>
           </a:xfrm>
           <a:prstGeom prst="straightConnector1">
             <a:avLst/>
@@ -5861,8 +5863,8 @@
         </p:nvCxnSpPr>
         <p:spPr>
           <a:xfrm>
-            <a:off x="4913408" y="3682922"/>
-            <a:ext cx="456871" cy="0"/>
+            <a:off x="4360464" y="3682922"/>
+            <a:ext cx="1009816" cy="0"/>
           </a:xfrm>
           <a:prstGeom prst="straightConnector1">
             <a:avLst/>
